--- a/제주도 자구설.pptx
+++ b/제주도 자구설.pptx
@@ -6186,7 +6186,7 @@
         <p:spPr>
           <a:xfrm>
             <a:off x="670546" y="4214818"/>
-            <a:ext cx="7776864" cy="1321324"/>
+            <a:ext cx="7776864" cy="674993"/>
           </a:xfrm>
           <a:prstGeom prst="rect">
             <a:avLst/>
@@ -6212,7 +6212,27 @@
                 <a:latin typeface="KoPub돋움체 Bold" panose="02020603020101020101" pitchFamily="18" charset="-127"/>
                 <a:ea typeface="KoPub돋움체 Bold" panose="02020603020101020101" pitchFamily="18" charset="-127"/>
               </a:rPr>
-              <a:t>현 위치에서 가장 가까운</a:t>
+              <a:t>여행지들의 최적경로 </a:t>
+            </a:r>
+            <a:r>
+              <a:rPr lang="ko-KR" altLang="en-US" sz="2800" dirty="0" err="1">
+                <a:solidFill>
+                  <a:schemeClr val="bg1"/>
+                </a:solidFill>
+                <a:latin typeface="KoPub돋움체 Bold" panose="02020603020101020101" pitchFamily="18" charset="-127"/>
+                <a:ea typeface="KoPub돋움체 Bold" panose="02020603020101020101" pitchFamily="18" charset="-127"/>
+              </a:rPr>
+              <a:t>찾아주기</a:t>
+            </a:r>
+            <a:r>
+              <a:rPr lang="en-US" altLang="ko-KR" sz="2800">
+                <a:solidFill>
+                  <a:schemeClr val="bg1"/>
+                </a:solidFill>
+                <a:latin typeface="KoPub돋움체 Bold" panose="02020603020101020101" pitchFamily="18" charset="-127"/>
+                <a:ea typeface="KoPub돋움체 Bold" panose="02020603020101020101" pitchFamily="18" charset="-127"/>
+              </a:rPr>
+              <a:t>!!</a:t>
             </a:r>
             <a:endParaRPr lang="en-US" altLang="ko-KR" sz="2800" dirty="0">
               <a:solidFill>
@@ -6221,23 +6241,6 @@
               <a:latin typeface="KoPub돋움체 Bold" panose="02020603020101020101" pitchFamily="18" charset="-127"/>
               <a:ea typeface="KoPub돋움체 Bold" panose="02020603020101020101" pitchFamily="18" charset="-127"/>
             </a:endParaRPr>
-          </a:p>
-          <a:p>
-            <a:pPr marL="514350" indent="-514350" algn="ctr">
-              <a:lnSpc>
-                <a:spcPct val="150000"/>
-              </a:lnSpc>
-            </a:pPr>
-            <a:r>
-              <a:rPr lang="ko-KR" altLang="en-US" sz="2800" dirty="0">
-                <a:solidFill>
-                  <a:schemeClr val="bg1"/>
-                </a:solidFill>
-                <a:latin typeface="KoPub돋움체 Bold" panose="02020603020101020101" pitchFamily="18" charset="-127"/>
-                <a:ea typeface="KoPub돋움체 Bold" panose="02020603020101020101" pitchFamily="18" charset="-127"/>
-              </a:rPr>
-              <a:t>여성안심택배 보관함과 여성안심지킴이집 찾기</a:t>
-            </a:r>
           </a:p>
         </p:txBody>
       </p:sp>
